--- a/제안서/프로젝트 제안서.pptx
+++ b/제안서/프로젝트 제안서.pptx
@@ -7653,7 +7653,7 @@
       </p:pic>
       <p:pic>
         <p:nvPicPr>
-          <p:cNvPr name="Picture 3" id="3"/>
+          <p:cNvPr name="Picture 4" id="4"/>
           <p:cNvPicPr>
             <a:picLocks noChangeAspect="true"/>
           </p:cNvPicPr>
@@ -7661,30 +7661,6 @@
         </p:nvPicPr>
         <p:blipFill>
           <a:blip r:embed="rId3"/>
-          <a:stretch>
-            <a:fillRect/>
-          </a:stretch>
-        </p:blipFill>
-        <p:spPr>
-          <a:xfrm rot="0">
-            <a:off x="-25400" y="3327400"/>
-            <a:ext cx="18313400" cy="6959600"/>
-          </a:xfrm>
-          <a:prstGeom prst="rect">
-            <a:avLst/>
-          </a:prstGeom>
-        </p:spPr>
-      </p:pic>
-      <p:pic>
-        <p:nvPicPr>
-          <p:cNvPr name="Picture 4" id="4"/>
-          <p:cNvPicPr>
-            <a:picLocks noChangeAspect="true"/>
-          </p:cNvPicPr>
-          <p:nvPr/>
-        </p:nvPicPr>
-        <p:blipFill>
-          <a:blip r:embed="rId4"/>
           <a:stretch>
             <a:fillRect/>
           </a:stretch>
@@ -7784,6 +7760,28 @@
           </a:p>
         </p:txBody>
       </p:sp>
+      <p:pic>
+        <p:nvPicPr>
+          <p:cNvPr id="6" name="그림 5"/>
+          <p:cNvPicPr/>
+          <p:nvPr/>
+        </p:nvPicPr>
+        <p:blipFill rotWithShape="1">
+          <a:blip r:embed="rId4"/>
+          <a:stretch>
+            <a:fillRect/>
+          </a:stretch>
+        </p:blipFill>
+        <p:spPr>
+          <a:xfrm>
+            <a:off x="0" y="3314700"/>
+            <a:ext cx="18288000" cy="6934200"/>
+          </a:xfrm>
+          <a:prstGeom prst="rect">
+            <a:avLst/>
+          </a:prstGeom>
+        </p:spPr>
+      </p:pic>
     </p:spTree>
   </p:cSld>
   <p:clrMapOvr>
